--- a/Vanilla ISE mockup.pptx
+++ b/Vanilla ISE mockup.pptx
@@ -108,6 +108,11 @@
       </a:defRPr>
     </a:lvl9pPr>
   </p:defaultTextStyle>
+  <p:extLst>
+    <p:ext uri="{EFAFB233-063F-42B5-8137-9DF3F51BA10A}">
+      <p15:sldGuideLst xmlns:p15="http://schemas.microsoft.com/office/powerpoint/2012/main"/>
+    </p:ext>
+  </p:extLst>
 </p:presentation>
 </file>
 
@@ -260,7 +265,7 @@
           <a:p>
             <a:fld id="{EB7ECD94-EE2F-5F4F-B658-1DC231A98604}" type="datetimeFigureOut">
               <a:rPr lang="en-IL" smtClean="0"/>
-              <a:t>29/01/2021</a:t>
+              <a:t>01/02/2021</a:t>
             </a:fld>
             <a:endParaRPr lang="en-IL"/>
           </a:p>
@@ -460,7 +465,7 @@
           <a:p>
             <a:fld id="{EB7ECD94-EE2F-5F4F-B658-1DC231A98604}" type="datetimeFigureOut">
               <a:rPr lang="en-IL" smtClean="0"/>
-              <a:t>29/01/2021</a:t>
+              <a:t>01/02/2021</a:t>
             </a:fld>
             <a:endParaRPr lang="en-IL"/>
           </a:p>
@@ -670,7 +675,7 @@
           <a:p>
             <a:fld id="{EB7ECD94-EE2F-5F4F-B658-1DC231A98604}" type="datetimeFigureOut">
               <a:rPr lang="en-IL" smtClean="0"/>
-              <a:t>29/01/2021</a:t>
+              <a:t>01/02/2021</a:t>
             </a:fld>
             <a:endParaRPr lang="en-IL"/>
           </a:p>
@@ -870,7 +875,7 @@
           <a:p>
             <a:fld id="{EB7ECD94-EE2F-5F4F-B658-1DC231A98604}" type="datetimeFigureOut">
               <a:rPr lang="en-IL" smtClean="0"/>
-              <a:t>29/01/2021</a:t>
+              <a:t>01/02/2021</a:t>
             </a:fld>
             <a:endParaRPr lang="en-IL"/>
           </a:p>
@@ -1146,7 +1151,7 @@
           <a:p>
             <a:fld id="{EB7ECD94-EE2F-5F4F-B658-1DC231A98604}" type="datetimeFigureOut">
               <a:rPr lang="en-IL" smtClean="0"/>
-              <a:t>29/01/2021</a:t>
+              <a:t>01/02/2021</a:t>
             </a:fld>
             <a:endParaRPr lang="en-IL"/>
           </a:p>
@@ -1414,7 +1419,7 @@
           <a:p>
             <a:fld id="{EB7ECD94-EE2F-5F4F-B658-1DC231A98604}" type="datetimeFigureOut">
               <a:rPr lang="en-IL" smtClean="0"/>
-              <a:t>29/01/2021</a:t>
+              <a:t>01/02/2021</a:t>
             </a:fld>
             <a:endParaRPr lang="en-IL"/>
           </a:p>
@@ -1829,7 +1834,7 @@
           <a:p>
             <a:fld id="{EB7ECD94-EE2F-5F4F-B658-1DC231A98604}" type="datetimeFigureOut">
               <a:rPr lang="en-IL" smtClean="0"/>
-              <a:t>29/01/2021</a:t>
+              <a:t>01/02/2021</a:t>
             </a:fld>
             <a:endParaRPr lang="en-IL"/>
           </a:p>
@@ -1971,7 +1976,7 @@
           <a:p>
             <a:fld id="{EB7ECD94-EE2F-5F4F-B658-1DC231A98604}" type="datetimeFigureOut">
               <a:rPr lang="en-IL" smtClean="0"/>
-              <a:t>29/01/2021</a:t>
+              <a:t>01/02/2021</a:t>
             </a:fld>
             <a:endParaRPr lang="en-IL"/>
           </a:p>
@@ -2084,7 +2089,7 @@
           <a:p>
             <a:fld id="{EB7ECD94-EE2F-5F4F-B658-1DC231A98604}" type="datetimeFigureOut">
               <a:rPr lang="en-IL" smtClean="0"/>
-              <a:t>29/01/2021</a:t>
+              <a:t>01/02/2021</a:t>
             </a:fld>
             <a:endParaRPr lang="en-IL"/>
           </a:p>
@@ -2397,7 +2402,7 @@
           <a:p>
             <a:fld id="{EB7ECD94-EE2F-5F4F-B658-1DC231A98604}" type="datetimeFigureOut">
               <a:rPr lang="en-IL" smtClean="0"/>
-              <a:t>29/01/2021</a:t>
+              <a:t>01/02/2021</a:t>
             </a:fld>
             <a:endParaRPr lang="en-IL"/>
           </a:p>
@@ -2686,7 +2691,7 @@
           <a:p>
             <a:fld id="{EB7ECD94-EE2F-5F4F-B658-1DC231A98604}" type="datetimeFigureOut">
               <a:rPr lang="en-IL" smtClean="0"/>
-              <a:t>29/01/2021</a:t>
+              <a:t>01/02/2021</a:t>
             </a:fld>
             <a:endParaRPr lang="en-IL"/>
           </a:p>
@@ -2929,7 +2934,7 @@
           <a:p>
             <a:fld id="{EB7ECD94-EE2F-5F4F-B658-1DC231A98604}" type="datetimeFigureOut">
               <a:rPr lang="en-IL" smtClean="0"/>
-              <a:t>29/01/2021</a:t>
+              <a:t>01/02/2021</a:t>
             </a:fld>
             <a:endParaRPr lang="en-IL"/>
           </a:p>
@@ -7443,8 +7448,8 @@
         </p:nvSpPr>
         <p:spPr>
           <a:xfrm>
-            <a:off x="8430768" y="1637622"/>
-            <a:ext cx="1362456" cy="340114"/>
+            <a:off x="8071645" y="1652231"/>
+            <a:ext cx="1089043" cy="340114"/>
           </a:xfrm>
           <a:prstGeom prst="roundRect">
             <a:avLst/>
@@ -7473,7 +7478,7 @@
             <a:pPr algn="ctr"/>
             <a:r>
               <a:rPr lang="en-IL" dirty="0"/>
-              <a:t>Submit</a:t>
+              <a:t>2 Hours</a:t>
             </a:r>
           </a:p>
         </p:txBody>
@@ -7584,8 +7589,8 @@
         </p:nvSpPr>
         <p:spPr>
           <a:xfrm>
-            <a:off x="7726223" y="890076"/>
-            <a:ext cx="4134002" cy="369332"/>
+            <a:off x="8616166" y="963297"/>
+            <a:ext cx="2987959" cy="646331"/>
           </a:xfrm>
           <a:prstGeom prst="rect">
             <a:avLst/>
@@ -7612,7 +7617,7 @@
                   <a:srgbClr val="FF0000"/>
                 </a:solidFill>
               </a:rPr>
-              <a:t>(&lt;MAC address&gt;, duration)</a:t>
+              <a:t>(&lt;MAC address&gt;, duration in hours)</a:t>
             </a:r>
           </a:p>
         </p:txBody>
@@ -7670,6 +7675,104 @@
                 </a:solidFill>
               </a:rPr>
               <a:t>(MAC)</a:t>
+            </a:r>
+          </a:p>
+        </p:txBody>
+      </p:sp>
+      <p:sp>
+        <p:nvSpPr>
+          <p:cNvPr id="14" name="Rounded Rectangle 13">
+            <a:extLst>
+              <a:ext uri="{FF2B5EF4-FFF2-40B4-BE49-F238E27FC236}">
+                <a16:creationId xmlns:a16="http://schemas.microsoft.com/office/drawing/2014/main" id="{381BEC15-7FE7-E645-B5F5-0C84DA86CBA4}"/>
+              </a:ext>
+            </a:extLst>
+          </p:cNvPr>
+          <p:cNvSpPr/>
+          <p:nvPr/>
+        </p:nvSpPr>
+        <p:spPr>
+          <a:xfrm>
+            <a:off x="9360176" y="1641726"/>
+            <a:ext cx="1089043" cy="340114"/>
+          </a:xfrm>
+          <a:prstGeom prst="roundRect">
+            <a:avLst/>
+          </a:prstGeom>
+        </p:spPr>
+        <p:style>
+          <a:lnRef idx="2">
+            <a:schemeClr val="accent1">
+              <a:shade val="50000"/>
+            </a:schemeClr>
+          </a:lnRef>
+          <a:fillRef idx="1">
+            <a:schemeClr val="accent1"/>
+          </a:fillRef>
+          <a:effectRef idx="0">
+            <a:schemeClr val="accent1"/>
+          </a:effectRef>
+          <a:fontRef idx="minor">
+            <a:schemeClr val="lt1"/>
+          </a:fontRef>
+        </p:style>
+        <p:txBody>
+          <a:bodyPr rtlCol="0" anchor="ctr"/>
+          <a:lstStyle/>
+          <a:p>
+            <a:pPr algn="ctr"/>
+            <a:r>
+              <a:rPr lang="en-IL" dirty="0"/>
+              <a:t>8 Hours</a:t>
+            </a:r>
+          </a:p>
+        </p:txBody>
+      </p:sp>
+      <p:sp>
+        <p:nvSpPr>
+          <p:cNvPr id="15" name="Rounded Rectangle 14">
+            <a:extLst>
+              <a:ext uri="{FF2B5EF4-FFF2-40B4-BE49-F238E27FC236}">
+                <a16:creationId xmlns:a16="http://schemas.microsoft.com/office/drawing/2014/main" id="{D5BD933B-BE02-B247-A2D6-C3AEB19AD772}"/>
+              </a:ext>
+            </a:extLst>
+          </p:cNvPr>
+          <p:cNvSpPr/>
+          <p:nvPr/>
+        </p:nvSpPr>
+        <p:spPr>
+          <a:xfrm>
+            <a:off x="10648707" y="1652231"/>
+            <a:ext cx="1089043" cy="340114"/>
+          </a:xfrm>
+          <a:prstGeom prst="roundRect">
+            <a:avLst/>
+          </a:prstGeom>
+        </p:spPr>
+        <p:style>
+          <a:lnRef idx="2">
+            <a:schemeClr val="accent1">
+              <a:shade val="50000"/>
+            </a:schemeClr>
+          </a:lnRef>
+          <a:fillRef idx="1">
+            <a:schemeClr val="accent1"/>
+          </a:fillRef>
+          <a:effectRef idx="0">
+            <a:schemeClr val="accent1"/>
+          </a:effectRef>
+          <a:fontRef idx="minor">
+            <a:schemeClr val="lt1"/>
+          </a:fontRef>
+        </p:style>
+        <p:txBody>
+          <a:bodyPr rtlCol="0" anchor="ctr"/>
+          <a:lstStyle/>
+          <a:p>
+            <a:pPr algn="ctr"/>
+            <a:r>
+              <a:rPr lang="en-IL" dirty="0"/>
+              <a:t>48 Hours</a:t>
             </a:r>
           </a:p>
         </p:txBody>

--- a/Vanilla ISE mockup.pptx
+++ b/Vanilla ISE mockup.pptx
@@ -265,7 +265,7 @@
           <a:p>
             <a:fld id="{EB7ECD94-EE2F-5F4F-B658-1DC231A98604}" type="datetimeFigureOut">
               <a:rPr lang="en-IL" smtClean="0"/>
-              <a:t>01/02/2021</a:t>
+              <a:t>10/02/2021</a:t>
             </a:fld>
             <a:endParaRPr lang="en-IL"/>
           </a:p>
@@ -465,7 +465,7 @@
           <a:p>
             <a:fld id="{EB7ECD94-EE2F-5F4F-B658-1DC231A98604}" type="datetimeFigureOut">
               <a:rPr lang="en-IL" smtClean="0"/>
-              <a:t>01/02/2021</a:t>
+              <a:t>10/02/2021</a:t>
             </a:fld>
             <a:endParaRPr lang="en-IL"/>
           </a:p>
@@ -675,7 +675,7 @@
           <a:p>
             <a:fld id="{EB7ECD94-EE2F-5F4F-B658-1DC231A98604}" type="datetimeFigureOut">
               <a:rPr lang="en-IL" smtClean="0"/>
-              <a:t>01/02/2021</a:t>
+              <a:t>10/02/2021</a:t>
             </a:fld>
             <a:endParaRPr lang="en-IL"/>
           </a:p>
@@ -875,7 +875,7 @@
           <a:p>
             <a:fld id="{EB7ECD94-EE2F-5F4F-B658-1DC231A98604}" type="datetimeFigureOut">
               <a:rPr lang="en-IL" smtClean="0"/>
-              <a:t>01/02/2021</a:t>
+              <a:t>10/02/2021</a:t>
             </a:fld>
             <a:endParaRPr lang="en-IL"/>
           </a:p>
@@ -1151,7 +1151,7 @@
           <a:p>
             <a:fld id="{EB7ECD94-EE2F-5F4F-B658-1DC231A98604}" type="datetimeFigureOut">
               <a:rPr lang="en-IL" smtClean="0"/>
-              <a:t>01/02/2021</a:t>
+              <a:t>10/02/2021</a:t>
             </a:fld>
             <a:endParaRPr lang="en-IL"/>
           </a:p>
@@ -1419,7 +1419,7 @@
           <a:p>
             <a:fld id="{EB7ECD94-EE2F-5F4F-B658-1DC231A98604}" type="datetimeFigureOut">
               <a:rPr lang="en-IL" smtClean="0"/>
-              <a:t>01/02/2021</a:t>
+              <a:t>10/02/2021</a:t>
             </a:fld>
             <a:endParaRPr lang="en-IL"/>
           </a:p>
@@ -1834,7 +1834,7 @@
           <a:p>
             <a:fld id="{EB7ECD94-EE2F-5F4F-B658-1DC231A98604}" type="datetimeFigureOut">
               <a:rPr lang="en-IL" smtClean="0"/>
-              <a:t>01/02/2021</a:t>
+              <a:t>10/02/2021</a:t>
             </a:fld>
             <a:endParaRPr lang="en-IL"/>
           </a:p>
@@ -1976,7 +1976,7 @@
           <a:p>
             <a:fld id="{EB7ECD94-EE2F-5F4F-B658-1DC231A98604}" type="datetimeFigureOut">
               <a:rPr lang="en-IL" smtClean="0"/>
-              <a:t>01/02/2021</a:t>
+              <a:t>10/02/2021</a:t>
             </a:fld>
             <a:endParaRPr lang="en-IL"/>
           </a:p>
@@ -2089,7 +2089,7 @@
           <a:p>
             <a:fld id="{EB7ECD94-EE2F-5F4F-B658-1DC231A98604}" type="datetimeFigureOut">
               <a:rPr lang="en-IL" smtClean="0"/>
-              <a:t>01/02/2021</a:t>
+              <a:t>10/02/2021</a:t>
             </a:fld>
             <a:endParaRPr lang="en-IL"/>
           </a:p>
@@ -2402,7 +2402,7 @@
           <a:p>
             <a:fld id="{EB7ECD94-EE2F-5F4F-B658-1DC231A98604}" type="datetimeFigureOut">
               <a:rPr lang="en-IL" smtClean="0"/>
-              <a:t>01/02/2021</a:t>
+              <a:t>10/02/2021</a:t>
             </a:fld>
             <a:endParaRPr lang="en-IL"/>
           </a:p>
@@ -2691,7 +2691,7 @@
           <a:p>
             <a:fld id="{EB7ECD94-EE2F-5F4F-B658-1DC231A98604}" type="datetimeFigureOut">
               <a:rPr lang="en-IL" smtClean="0"/>
-              <a:t>01/02/2021</a:t>
+              <a:t>10/02/2021</a:t>
             </a:fld>
             <a:endParaRPr lang="en-IL"/>
           </a:p>
@@ -2934,7 +2934,7 @@
           <a:p>
             <a:fld id="{EB7ECD94-EE2F-5F4F-B658-1DC231A98604}" type="datetimeFigureOut">
               <a:rPr lang="en-IL" smtClean="0"/>
-              <a:t>01/02/2021</a:t>
+              <a:t>10/02/2021</a:t>
             </a:fld>
             <a:endParaRPr lang="en-IL"/>
           </a:p>
@@ -6468,14 +6468,14 @@
           <p:nvPr>
             <p:extLst>
               <p:ext uri="{D42A27DB-BD31-4B8C-83A1-F6EECF244321}">
-                <p14:modId xmlns:p14="http://schemas.microsoft.com/office/powerpoint/2010/main" val="45039296"/>
+                <p14:modId xmlns:p14="http://schemas.microsoft.com/office/powerpoint/2010/main" val="3918820058"/>
               </p:ext>
             </p:extLst>
           </p:nvPr>
         </p:nvGraphicFramePr>
         <p:xfrm>
           <a:off x="3340150" y="3107266"/>
-          <a:ext cx="8236152" cy="1483360"/>
+          <a:ext cx="6468084" cy="1483360"/>
         </p:xfrm>
         <a:graphic>
           <a:graphicData uri="http://schemas.openxmlformats.org/drawingml/2006/table">
@@ -6484,42 +6484,21 @@
                 <a:tableStyleId>{5C22544A-7EE6-4342-B048-85BDC9FD1C3A}</a:tableStyleId>
               </a:tblPr>
               <a:tblGrid>
-                <a:gridCol w="1685411">
-                  <a:extLst>
-                    <a:ext uri="{9D8B030D-6E8A-4147-A177-3AD203B41FA5}">
-                      <a16:colId xmlns:a16="http://schemas.microsoft.com/office/drawing/2014/main" val="3636436516"/>
-                    </a:ext>
-                  </a:extLst>
-                </a:gridCol>
-                <a:gridCol w="1655683">
+                <a:gridCol w="2502606">
                   <a:extLst>
                     <a:ext uri="{9D8B030D-6E8A-4147-A177-3AD203B41FA5}">
                       <a16:colId xmlns:a16="http://schemas.microsoft.com/office/drawing/2014/main" val="2648758577"/>
                     </a:ext>
                   </a:extLst>
                 </a:gridCol>
-                <a:gridCol w="1591695">
+                <a:gridCol w="2405887">
                   <a:extLst>
                     <a:ext uri="{9D8B030D-6E8A-4147-A177-3AD203B41FA5}">
                       <a16:colId xmlns:a16="http://schemas.microsoft.com/office/drawing/2014/main" val="3474503010"/>
                     </a:ext>
                   </a:extLst>
                 </a:gridCol>
-                <a:gridCol w="1239763">
-                  <a:extLst>
-                    <a:ext uri="{9D8B030D-6E8A-4147-A177-3AD203B41FA5}">
-                      <a16:colId xmlns:a16="http://schemas.microsoft.com/office/drawing/2014/main" val="1561869978"/>
-                    </a:ext>
-                  </a:extLst>
-                </a:gridCol>
-                <a:gridCol w="1031800">
-                  <a:extLst>
-                    <a:ext uri="{9D8B030D-6E8A-4147-A177-3AD203B41FA5}">
-                      <a16:colId xmlns:a16="http://schemas.microsoft.com/office/drawing/2014/main" val="1003290890"/>
-                    </a:ext>
-                  </a:extLst>
-                </a:gridCol>
-                <a:gridCol w="1031800">
+                <a:gridCol w="1559591">
                   <a:extLst>
                     <a:ext uri="{9D8B030D-6E8A-4147-A177-3AD203B41FA5}">
                       <a16:colId xmlns:a16="http://schemas.microsoft.com/office/drawing/2014/main" val="2559124492"/>
@@ -6528,19 +6507,6 @@
                 </a:gridCol>
               </a:tblGrid>
               <a:tr h="370840">
-                <a:tc>
-                  <a:txBody>
-                    <a:bodyPr/>
-                    <a:lstStyle/>
-                    <a:p>
-                      <a:r>
-                        <a:rPr lang="en-IL" dirty="0"/>
-                        <a:t>Interfaces</a:t>
-                      </a:r>
-                    </a:p>
-                  </a:txBody>
-                  <a:tcPr/>
-                </a:tc>
                 <a:tc>
                   <a:txBody>
                     <a:bodyPr/>
@@ -6569,83 +6535,7 @@
                     <a:p>
                       <a:r>
                         <a:rPr lang="en-IL" b="0" dirty="0"/>
-                        <a:t>NIC Vendor</a:t>
-                      </a:r>
-                    </a:p>
-                  </a:txBody>
-                  <a:tcPr/>
-                </a:tc>
-                <a:tc>
-                  <a:txBody>
-                    <a:bodyPr/>
-                    <a:lstStyle/>
-                    <a:p>
-                      <a:pPr marL="0" marR="0" lvl="0" indent="0" algn="l" defTabSz="914400" rtl="0" eaLnBrk="1" fontAlgn="auto" latinLnBrk="0" hangingPunct="1">
-                        <a:lnSpc>
-                          <a:spcPct val="100000"/>
-                        </a:lnSpc>
-                        <a:spcBef>
-                          <a:spcPts val="0"/>
-                        </a:spcBef>
-                        <a:spcAft>
-                          <a:spcPts val="0"/>
-                        </a:spcAft>
-                        <a:buClrTx/>
-                        <a:buSzTx/>
-                        <a:buFontTx/>
-                        <a:buNone/>
-                        <a:tabLst/>
-                        <a:defRPr/>
-                      </a:pPr>
-                      <a:r>
-                        <a:rPr lang="en-US" sz="1800" b="0" kern="1200" dirty="0">
-                          <a:solidFill>
-                            <a:schemeClr val="lt1"/>
-                          </a:solidFill>
-                          <a:effectLst/>
-                          <a:latin typeface="+mn-lt"/>
-                          <a:ea typeface="+mn-ea"/>
-                          <a:cs typeface="+mn-cs"/>
-                        </a:rPr>
-                        <a:t>Status</a:t>
-                      </a:r>
-                    </a:p>
-                  </a:txBody>
-                  <a:tcPr/>
-                </a:tc>
-                <a:tc>
-                  <a:txBody>
-                    <a:bodyPr/>
-                    <a:lstStyle/>
-                    <a:p>
-                      <a:pPr marL="0" marR="0" lvl="0" indent="0" algn="l" defTabSz="914400" rtl="0" eaLnBrk="1" fontAlgn="auto" latinLnBrk="0" hangingPunct="1">
-                        <a:lnSpc>
-                          <a:spcPct val="100000"/>
-                        </a:lnSpc>
-                        <a:spcBef>
-                          <a:spcPts val="0"/>
-                        </a:spcBef>
-                        <a:spcAft>
-                          <a:spcPts val="0"/>
-                        </a:spcAft>
-                        <a:buClrTx/>
-                        <a:buSzTx/>
-                        <a:buFontTx/>
-                        <a:buNone/>
-                        <a:tabLst/>
-                        <a:defRPr/>
-                      </a:pPr>
-                      <a:r>
-                        <a:rPr lang="en-US" sz="1800" b="0" kern="1200" dirty="0">
-                          <a:solidFill>
-                            <a:schemeClr val="lt1"/>
-                          </a:solidFill>
-                          <a:effectLst/>
-                          <a:latin typeface="+mn-lt"/>
-                          <a:ea typeface="+mn-ea"/>
-                          <a:cs typeface="+mn-cs"/>
-                        </a:rPr>
-                        <a:t>Method</a:t>
+                        <a:t>Voucher Expiration</a:t>
                       </a:r>
                     </a:p>
                   </a:txBody>
@@ -6718,111 +6608,6 @@
                         <a:tabLst/>
                         <a:defRPr/>
                       </a:pPr>
-                      <a:endParaRPr lang="en-US" sz="1800" b="0" kern="1200" dirty="0">
-                        <a:solidFill>
-                          <a:schemeClr val="dk1"/>
-                        </a:solidFill>
-                        <a:effectLst/>
-                        <a:latin typeface="+mn-lt"/>
-                        <a:ea typeface="+mn-ea"/>
-                        <a:cs typeface="+mn-cs"/>
-                      </a:endParaRPr>
-                    </a:p>
-                  </a:txBody>
-                  <a:tcPr/>
-                </a:tc>
-                <a:tc>
-                  <a:txBody>
-                    <a:bodyPr/>
-                    <a:lstStyle/>
-                    <a:p>
-                      <a:pPr marL="0" marR="0" lvl="0" indent="0" algn="l" defTabSz="914400" rtl="0" eaLnBrk="1" fontAlgn="auto" latinLnBrk="0" hangingPunct="1">
-                        <a:lnSpc>
-                          <a:spcPct val="100000"/>
-                        </a:lnSpc>
-                        <a:spcBef>
-                          <a:spcPts val="0"/>
-                        </a:spcBef>
-                        <a:spcAft>
-                          <a:spcPts val="0"/>
-                        </a:spcAft>
-                        <a:buClrTx/>
-                        <a:buSzTx/>
-                        <a:buFontTx/>
-                        <a:buNone/>
-                        <a:tabLst/>
-                        <a:defRPr/>
-                      </a:pPr>
-                      <a:endParaRPr lang="en-IL" sz="1800" b="0" kern="1200" dirty="0">
-                        <a:solidFill>
-                          <a:schemeClr val="dk1"/>
-                        </a:solidFill>
-                        <a:effectLst/>
-                        <a:latin typeface="+mn-lt"/>
-                        <a:ea typeface="+mn-ea"/>
-                        <a:cs typeface="+mn-cs"/>
-                      </a:endParaRPr>
-                    </a:p>
-                  </a:txBody>
-                  <a:tcPr/>
-                </a:tc>
-                <a:tc>
-                  <a:txBody>
-                    <a:bodyPr/>
-                    <a:lstStyle/>
-                    <a:p>
-                      <a:pPr marL="0" marR="0" lvl="0" indent="0" algn="l" defTabSz="914400" rtl="0" eaLnBrk="1" fontAlgn="auto" latinLnBrk="0" hangingPunct="1">
-                        <a:lnSpc>
-                          <a:spcPct val="100000"/>
-                        </a:lnSpc>
-                        <a:spcBef>
-                          <a:spcPts val="0"/>
-                        </a:spcBef>
-                        <a:spcAft>
-                          <a:spcPts val="0"/>
-                        </a:spcAft>
-                        <a:buClrTx/>
-                        <a:buSzTx/>
-                        <a:buFontTx/>
-                        <a:buNone/>
-                        <a:tabLst/>
-                        <a:defRPr/>
-                      </a:pPr>
-                      <a:endParaRPr lang="en-IL" sz="1800" b="0" kern="1200" dirty="0">
-                        <a:solidFill>
-                          <a:schemeClr val="dk1"/>
-                        </a:solidFill>
-                        <a:effectLst/>
-                        <a:latin typeface="+mn-lt"/>
-                        <a:ea typeface="+mn-ea"/>
-                        <a:cs typeface="+mn-cs"/>
-                      </a:endParaRPr>
-                    </a:p>
-                  </a:txBody>
-                  <a:tcPr/>
-                </a:tc>
-                <a:tc>
-                  <a:txBody>
-                    <a:bodyPr/>
-                    <a:lstStyle/>
-                    <a:p>
-                      <a:pPr marL="0" marR="0" lvl="0" indent="0" algn="l" defTabSz="914400" rtl="0" eaLnBrk="1" fontAlgn="auto" latinLnBrk="0" hangingPunct="1">
-                        <a:lnSpc>
-                          <a:spcPct val="100000"/>
-                        </a:lnSpc>
-                        <a:spcBef>
-                          <a:spcPts val="0"/>
-                        </a:spcBef>
-                        <a:spcAft>
-                          <a:spcPts val="0"/>
-                        </a:spcAft>
-                        <a:buClrTx/>
-                        <a:buSzTx/>
-                        <a:buFontTx/>
-                        <a:buNone/>
-                        <a:tabLst/>
-                        <a:defRPr/>
-                      </a:pPr>
                       <a:endParaRPr lang="en-IL" sz="1800" b="0" kern="1200" dirty="0">
                         <a:solidFill>
                           <a:schemeClr val="dk1"/>
@@ -6938,7 +6723,7 @@
                         <a:tabLst/>
                         <a:defRPr/>
                       </a:pPr>
-                      <a:endParaRPr lang="en-US" sz="1800" b="0" kern="1200" dirty="0">
+                      <a:endParaRPr lang="en-IL" sz="1800" b="0" kern="1200" dirty="0">
                         <a:solidFill>
                           <a:schemeClr val="dk1"/>
                         </a:solidFill>
@@ -7008,111 +6793,6 @@
                         <a:tabLst/>
                         <a:defRPr/>
                       </a:pPr>
-                      <a:endParaRPr lang="en-IL" sz="1800" b="0" kern="1200" dirty="0">
-                        <a:solidFill>
-                          <a:schemeClr val="dk1"/>
-                        </a:solidFill>
-                        <a:effectLst/>
-                        <a:latin typeface="+mn-lt"/>
-                        <a:ea typeface="+mn-ea"/>
-                        <a:cs typeface="+mn-cs"/>
-                      </a:endParaRPr>
-                    </a:p>
-                  </a:txBody>
-                  <a:tcPr/>
-                </a:tc>
-                <a:tc>
-                  <a:txBody>
-                    <a:bodyPr/>
-                    <a:lstStyle/>
-                    <a:p>
-                      <a:pPr marL="0" marR="0" lvl="0" indent="0" algn="l" defTabSz="914400" rtl="0" eaLnBrk="1" fontAlgn="auto" latinLnBrk="0" hangingPunct="1">
-                        <a:lnSpc>
-                          <a:spcPct val="100000"/>
-                        </a:lnSpc>
-                        <a:spcBef>
-                          <a:spcPts val="0"/>
-                        </a:spcBef>
-                        <a:spcAft>
-                          <a:spcPts val="0"/>
-                        </a:spcAft>
-                        <a:buClrTx/>
-                        <a:buSzTx/>
-                        <a:buFontTx/>
-                        <a:buNone/>
-                        <a:tabLst/>
-                        <a:defRPr/>
-                      </a:pPr>
-                      <a:endParaRPr lang="en-IL" sz="1800" b="0" kern="1200" dirty="0">
-                        <a:solidFill>
-                          <a:schemeClr val="dk1"/>
-                        </a:solidFill>
-                        <a:effectLst/>
-                        <a:latin typeface="+mn-lt"/>
-                        <a:ea typeface="+mn-ea"/>
-                        <a:cs typeface="+mn-cs"/>
-                      </a:endParaRPr>
-                    </a:p>
-                  </a:txBody>
-                  <a:tcPr/>
-                </a:tc>
-                <a:tc>
-                  <a:txBody>
-                    <a:bodyPr/>
-                    <a:lstStyle/>
-                    <a:p>
-                      <a:pPr marL="0" marR="0" lvl="0" indent="0" algn="l" defTabSz="914400" rtl="0" eaLnBrk="1" fontAlgn="auto" latinLnBrk="0" hangingPunct="1">
-                        <a:lnSpc>
-                          <a:spcPct val="100000"/>
-                        </a:lnSpc>
-                        <a:spcBef>
-                          <a:spcPts val="0"/>
-                        </a:spcBef>
-                        <a:spcAft>
-                          <a:spcPts val="0"/>
-                        </a:spcAft>
-                        <a:buClrTx/>
-                        <a:buSzTx/>
-                        <a:buFontTx/>
-                        <a:buNone/>
-                        <a:tabLst/>
-                        <a:defRPr/>
-                      </a:pPr>
-                      <a:endParaRPr lang="en-IL" sz="1800" b="0" kern="1200" dirty="0">
-                        <a:solidFill>
-                          <a:schemeClr val="dk1"/>
-                        </a:solidFill>
-                        <a:effectLst/>
-                        <a:latin typeface="+mn-lt"/>
-                        <a:ea typeface="+mn-ea"/>
-                        <a:cs typeface="+mn-cs"/>
-                      </a:endParaRPr>
-                    </a:p>
-                  </a:txBody>
-                  <a:tcPr/>
-                </a:tc>
-                <a:tc>
-                  <a:txBody>
-                    <a:bodyPr/>
-                    <a:lstStyle/>
-                    <a:p>
-                      <a:pPr marL="0" marR="0" lvl="0" indent="0" algn="l" defTabSz="914400" rtl="0" eaLnBrk="1" fontAlgn="auto" latinLnBrk="0" hangingPunct="1">
-                        <a:lnSpc>
-                          <a:spcPct val="100000"/>
-                        </a:lnSpc>
-                        <a:spcBef>
-                          <a:spcPts val="0"/>
-                        </a:spcBef>
-                        <a:spcAft>
-                          <a:spcPts val="0"/>
-                        </a:spcAft>
-                        <a:buClrTx/>
-                        <a:buSzTx/>
-                        <a:buFontTx/>
-                        <a:buNone/>
-                        <a:tabLst/>
-                        <a:defRPr/>
-                      </a:pPr>
                       <a:r>
                         <a:rPr lang="en-IL" sz="1800" b="0" kern="1200" dirty="0">
                           <a:solidFill>
@@ -7136,111 +6816,6 @@
                 </a:extLst>
               </a:tr>
               <a:tr h="370840">
-                <a:tc>
-                  <a:txBody>
-                    <a:bodyPr/>
-                    <a:lstStyle/>
-                    <a:p>
-                      <a:pPr marL="0" marR="0" lvl="0" indent="0" algn="l" defTabSz="914400" rtl="0" eaLnBrk="1" fontAlgn="auto" latinLnBrk="0" hangingPunct="1">
-                        <a:lnSpc>
-                          <a:spcPct val="100000"/>
-                        </a:lnSpc>
-                        <a:spcBef>
-                          <a:spcPts val="0"/>
-                        </a:spcBef>
-                        <a:spcAft>
-                          <a:spcPts val="0"/>
-                        </a:spcAft>
-                        <a:buClrTx/>
-                        <a:buSzTx/>
-                        <a:buFontTx/>
-                        <a:buNone/>
-                        <a:tabLst/>
-                        <a:defRPr/>
-                      </a:pPr>
-                      <a:endParaRPr lang="en-US" sz="1800" b="0" kern="1200" dirty="0">
-                        <a:solidFill>
-                          <a:schemeClr val="dk1"/>
-                        </a:solidFill>
-                        <a:effectLst/>
-                        <a:latin typeface="+mn-lt"/>
-                        <a:ea typeface="+mn-ea"/>
-                        <a:cs typeface="+mn-cs"/>
-                      </a:endParaRPr>
-                    </a:p>
-                  </a:txBody>
-                  <a:tcPr/>
-                </a:tc>
-                <a:tc>
-                  <a:txBody>
-                    <a:bodyPr/>
-                    <a:lstStyle/>
-                    <a:p>
-                      <a:pPr marL="0" marR="0" lvl="0" indent="0" algn="l" defTabSz="914400" rtl="0" eaLnBrk="1" fontAlgn="auto" latinLnBrk="0" hangingPunct="1">
-                        <a:lnSpc>
-                          <a:spcPct val="100000"/>
-                        </a:lnSpc>
-                        <a:spcBef>
-                          <a:spcPts val="0"/>
-                        </a:spcBef>
-                        <a:spcAft>
-                          <a:spcPts val="0"/>
-                        </a:spcAft>
-                        <a:buClrTx/>
-                        <a:buSzTx/>
-                        <a:buFontTx/>
-                        <a:buNone/>
-                        <a:tabLst/>
-                        <a:defRPr/>
-                      </a:pPr>
-                      <a:endParaRPr lang="en-IL" sz="1800" b="0" kern="1200" dirty="0">
-                        <a:solidFill>
-                          <a:schemeClr val="dk1"/>
-                        </a:solidFill>
-                        <a:effectLst/>
-                        <a:latin typeface="+mn-lt"/>
-                        <a:ea typeface="+mn-ea"/>
-                        <a:cs typeface="+mn-cs"/>
-                      </a:endParaRPr>
-                    </a:p>
-                  </a:txBody>
-                  <a:tcPr/>
-                </a:tc>
-                <a:tc>
-                  <a:txBody>
-                    <a:bodyPr/>
-                    <a:lstStyle/>
-                    <a:p>
-                      <a:pPr marL="0" marR="0" lvl="0" indent="0" algn="l" defTabSz="914400" rtl="0" eaLnBrk="1" fontAlgn="auto" latinLnBrk="0" hangingPunct="1">
-                        <a:lnSpc>
-                          <a:spcPct val="100000"/>
-                        </a:lnSpc>
-                        <a:spcBef>
-                          <a:spcPts val="0"/>
-                        </a:spcBef>
-                        <a:spcAft>
-                          <a:spcPts val="0"/>
-                        </a:spcAft>
-                        <a:buClrTx/>
-                        <a:buSzTx/>
-                        <a:buFontTx/>
-                        <a:buNone/>
-                        <a:tabLst/>
-                        <a:defRPr/>
-                      </a:pPr>
-                      <a:endParaRPr lang="en-IL" sz="1800" b="0" kern="1200" dirty="0">
-                        <a:solidFill>
-                          <a:schemeClr val="dk1"/>
-                        </a:solidFill>
-                        <a:effectLst/>
-                        <a:latin typeface="+mn-lt"/>
-                        <a:ea typeface="+mn-ea"/>
-                        <a:cs typeface="+mn-cs"/>
-                      </a:endParaRPr>
-                    </a:p>
-                  </a:txBody>
-                  <a:tcPr/>
-                </a:tc>
                 <a:tc>
                   <a:txBody>
                     <a:bodyPr/>
